--- a/ppts/CloseAi_이상헌_Transformer.pptx
+++ b/ppts/CloseAi_이상헌_Transformer.pptx
@@ -214,7 +214,7 @@
           <a:p>
             <a:fld id="{1D5616AF-0296-4CBF-9B1F-A90D5645FC53}" type="datetimeFigureOut">
               <a:rPr lang="ko-KR" altLang="en-US" smtClean="0"/>
-              <a:t>2024-05-21</a:t>
+              <a:t>2024-06-07</a:t>
             </a:fld>
             <a:endParaRPr lang="ko-KR" altLang="en-US"/>
           </a:p>
@@ -697,7 +697,7 @@
           <a:p>
             <a:fld id="{CCD3903D-E60D-48CB-8258-0E2E6594E192}" type="datetime1">
               <a:rPr lang="ko-KR" altLang="en-US" smtClean="0"/>
-              <a:t>2024-05-21</a:t>
+              <a:t>2024-06-07</a:t>
             </a:fld>
             <a:endParaRPr lang="ko-KR" altLang="en-US"/>
           </a:p>
@@ -871,7 +871,7 @@
           <a:p>
             <a:fld id="{2842B27D-4161-4043-9AA3-BD0B522F7870}" type="datetime1">
               <a:rPr lang="ko-KR" altLang="en-US" smtClean="0"/>
-              <a:t>2024-05-21</a:t>
+              <a:t>2024-06-07</a:t>
             </a:fld>
             <a:endParaRPr lang="ko-KR" altLang="en-US"/>
           </a:p>
@@ -1055,7 +1055,7 @@
           <a:p>
             <a:fld id="{E582F254-E8B6-422B-8B6C-1FF4CD013044}" type="datetime1">
               <a:rPr lang="ko-KR" altLang="en-US" smtClean="0"/>
-              <a:t>2024-05-21</a:t>
+              <a:t>2024-06-07</a:t>
             </a:fld>
             <a:endParaRPr lang="ko-KR" altLang="en-US"/>
           </a:p>
@@ -1229,7 +1229,7 @@
           <a:p>
             <a:fld id="{8DB4F532-3DCD-4435-832E-C840FA74BEA9}" type="datetime1">
               <a:rPr lang="ko-KR" altLang="en-US" smtClean="0"/>
-              <a:t>2024-05-21</a:t>
+              <a:t>2024-06-07</a:t>
             </a:fld>
             <a:endParaRPr lang="ko-KR" altLang="en-US"/>
           </a:p>
@@ -1479,7 +1479,7 @@
           <a:p>
             <a:fld id="{D56AD3B3-4B0C-4EFF-9C7A-0223E062CE3C}" type="datetime1">
               <a:rPr lang="ko-KR" altLang="en-US" smtClean="0"/>
-              <a:t>2024-05-21</a:t>
+              <a:t>2024-06-07</a:t>
             </a:fld>
             <a:endParaRPr lang="ko-KR" altLang="en-US"/>
           </a:p>
@@ -1715,7 +1715,7 @@
           <a:p>
             <a:fld id="{14F01DF6-6DA8-4DA1-A24E-D32D94B4F3A7}" type="datetime1">
               <a:rPr lang="ko-KR" altLang="en-US" smtClean="0"/>
-              <a:t>2024-05-21</a:t>
+              <a:t>2024-06-07</a:t>
             </a:fld>
             <a:endParaRPr lang="ko-KR" altLang="en-US"/>
           </a:p>
@@ -2086,7 +2086,7 @@
           <a:p>
             <a:fld id="{2937C5F0-0B30-4785-9443-9937BE742715}" type="datetime1">
               <a:rPr lang="ko-KR" altLang="en-US" smtClean="0"/>
-              <a:t>2024-05-21</a:t>
+              <a:t>2024-06-07</a:t>
             </a:fld>
             <a:endParaRPr lang="ko-KR" altLang="en-US"/>
           </a:p>
@@ -2208,7 +2208,7 @@
           <a:p>
             <a:fld id="{C0C0300F-06EB-4F29-B137-2FE86CF99071}" type="datetime1">
               <a:rPr lang="ko-KR" altLang="en-US" smtClean="0"/>
-              <a:t>2024-05-21</a:t>
+              <a:t>2024-06-07</a:t>
             </a:fld>
             <a:endParaRPr lang="ko-KR" altLang="en-US"/>
           </a:p>
@@ -2307,7 +2307,7 @@
           <a:p>
             <a:fld id="{F37361B1-C6B5-4A5B-9320-E3E43741C577}" type="datetime1">
               <a:rPr lang="ko-KR" altLang="en-US" smtClean="0"/>
-              <a:t>2024-05-21</a:t>
+              <a:t>2024-06-07</a:t>
             </a:fld>
             <a:endParaRPr lang="ko-KR" altLang="en-US"/>
           </a:p>
@@ -2588,7 +2588,7 @@
           <a:p>
             <a:fld id="{6D2163E6-7097-493E-97C2-471C850EC9AE}" type="datetime1">
               <a:rPr lang="ko-KR" altLang="en-US" smtClean="0"/>
-              <a:t>2024-05-21</a:t>
+              <a:t>2024-06-07</a:t>
             </a:fld>
             <a:endParaRPr lang="ko-KR" altLang="en-US"/>
           </a:p>
@@ -2845,7 +2845,7 @@
           <a:p>
             <a:fld id="{9211308B-325B-4B53-8534-3C6F84257CBD}" type="datetime1">
               <a:rPr lang="ko-KR" altLang="en-US" smtClean="0"/>
-              <a:t>2024-05-21</a:t>
+              <a:t>2024-06-07</a:t>
             </a:fld>
             <a:endParaRPr lang="ko-KR" altLang="en-US"/>
           </a:p>
@@ -3062,7 +3062,7 @@
           <a:p>
             <a:fld id="{5E6B3BF1-467B-4477-8312-3B4C26C029E0}" type="datetime1">
               <a:rPr lang="ko-KR" altLang="en-US" smtClean="0"/>
-              <a:t>2024-05-21</a:t>
+              <a:t>2024-06-07</a:t>
             </a:fld>
             <a:endParaRPr lang="ko-KR" altLang="en-US"/>
           </a:p>
@@ -9861,7 +9861,7 @@
       </p:pic>
       <p:pic>
         <p:nvPicPr>
-          <p:cNvPr id="7" name="그림 6"/>
+          <p:cNvPr id="13" name="그림 12"/>
           <p:cNvPicPr>
             <a:picLocks noChangeAspect="1"/>
           </p:cNvPicPr>
@@ -9875,13 +9875,13 @@
               </a:ext>
             </a:extLst>
           </a:blip>
-          <a:srcRect t="50637" b="11964"/>
+          <a:srcRect t="50000" b="2709"/>
           <a:stretch/>
         </p:blipFill>
         <p:spPr>
           <a:xfrm>
-            <a:off x="119742" y="2723735"/>
-            <a:ext cx="10036629" cy="2558143"/>
+            <a:off x="523875" y="3281476"/>
+            <a:ext cx="7372350" cy="1959429"/>
           </a:xfrm>
           <a:prstGeom prst="rect">
             <a:avLst/>
@@ -15699,7 +15699,7 @@
           <p:cNvPr id="13" name="Picture 4">
             <a:extLst>
               <a:ext uri="{FF2B5EF4-FFF2-40B4-BE49-F238E27FC236}">
-                <a16:creationId xmlns="" xmlns:a16="http://schemas.microsoft.com/office/drawing/2014/main" id="{47D4194F-7182-A090-B65A-C3B7FFDB29F9}"/>
+                <a16:creationId xmlns:a16="http://schemas.microsoft.com/office/drawing/2014/main" xmlns="" id="{47D4194F-7182-A090-B65A-C3B7FFDB29F9}"/>
               </a:ext>
             </a:extLst>
           </p:cNvPr>
